--- a/VPN-hálózatok.pptx
+++ b/VPN-hálózatok.pptx
@@ -504,7 +504,7 @@
               <a:rPr lang="hu-HU" smtClean="0">
                 <a:latin typeface="Palatino Linotype" panose="02040502050505030304" pitchFamily="18" charset="0"/>
               </a:rPr>
-              <a:t>2022.09.12.</a:t>
+              <a:t>2022.09.14.</a:t>
             </a:fld>
             <a:endParaRPr lang="hu-HU">
               <a:latin typeface="Palatino Linotype" panose="02040502050505030304" pitchFamily="18" charset="0"/>
@@ -684,7 +684,7 @@
           <a:p>
             <a:fld id="{027C63A2-7164-45DA-A237-A67E130C8FB9}" type="datetime1">
               <a:rPr lang="hu-HU" noProof="0" smtClean="0"/>
-              <a:t>2022.09.12.</a:t>
+              <a:t>2022.09.14.</a:t>
             </a:fld>
             <a:endParaRPr lang="hu-HU" noProof="0"/>
           </a:p>
@@ -1619,7 +1619,7 @@
           <a:p>
             <a:fld id="{C3314F3C-67A4-4BB7-BC05-3D0688190736}" type="datetime1">
               <a:rPr lang="hu-HU" smtClean="0"/>
-              <a:t>2022.09.12.</a:t>
+              <a:t>2022.09.14.</a:t>
             </a:fld>
             <a:endParaRPr lang="hu-HU" dirty="0"/>
           </a:p>
@@ -1861,7 +1861,7 @@
           <a:p>
             <a:fld id="{0BD2146C-7DA0-410A-A64D-87F664E742A9}" type="datetime1">
               <a:rPr lang="hu-HU" smtClean="0"/>
-              <a:t>2022.09.12.</a:t>
+              <a:t>2022.09.14.</a:t>
             </a:fld>
             <a:endParaRPr lang="hu-HU" dirty="0"/>
           </a:p>
@@ -2110,7 +2110,7 @@
           <a:p>
             <a:fld id="{85611632-7CB1-4B6C-9D69-28C04DD199B0}" type="datetime1">
               <a:rPr lang="hu-HU" smtClean="0"/>
-              <a:t>2022.09.12.</a:t>
+              <a:t>2022.09.14.</a:t>
             </a:fld>
             <a:endParaRPr lang="hu-HU" dirty="0"/>
           </a:p>
@@ -2393,7 +2393,7 @@
           <a:p>
             <a:fld id="{215C999E-8E59-4BB4-937F-D740C29819A4}" type="datetime1">
               <a:rPr lang="hu-HU" smtClean="0"/>
-              <a:t>2022.09.12.</a:t>
+              <a:t>2022.09.14.</a:t>
             </a:fld>
             <a:endParaRPr lang="hu-HU" dirty="0"/>
           </a:p>
@@ -2846,7 +2846,7 @@
           <a:p>
             <a:fld id="{9BEEE4E3-CB32-4071-9E04-2BF7DE420A08}" type="datetime1">
               <a:rPr lang="hu-HU" smtClean="0"/>
-              <a:t>2022.09.12.</a:t>
+              <a:t>2022.09.14.</a:t>
             </a:fld>
             <a:endParaRPr lang="hu-HU" dirty="0"/>
           </a:p>
@@ -3185,7 +3185,7 @@
           <a:p>
             <a:fld id="{1F35C951-6711-43E4-A136-842C16F113DE}" type="datetime1">
               <a:rPr lang="hu-HU" smtClean="0"/>
-              <a:t>2022.09.12.</a:t>
+              <a:t>2022.09.14.</a:t>
             </a:fld>
             <a:endParaRPr lang="hu-HU" dirty="0"/>
           </a:p>
@@ -3652,7 +3652,7 @@
           <a:p>
             <a:fld id="{17A4DB6E-E413-4B47-87C3-72E8A9F98512}" type="datetime1">
               <a:rPr lang="hu-HU" smtClean="0"/>
-              <a:t>2022.09.12.</a:t>
+              <a:t>2022.09.14.</a:t>
             </a:fld>
             <a:endParaRPr lang="hu-HU" dirty="0"/>
           </a:p>
@@ -3817,7 +3817,7 @@
           <a:p>
             <a:fld id="{5D57FE49-6D9E-4C8F-A53D-77EB00FD10B9}" type="datetime1">
               <a:rPr lang="hu-HU" noProof="0" smtClean="0"/>
-              <a:t>2022.09.12.</a:t>
+              <a:t>2022.09.14.</a:t>
             </a:fld>
             <a:endParaRPr lang="hu-HU" noProof="0"/>
           </a:p>
@@ -3947,7 +3947,7 @@
           <a:p>
             <a:fld id="{FEC845B7-637E-4143-B2AF-5AE091C2EBB0}" type="datetime1">
               <a:rPr lang="hu-HU" smtClean="0"/>
-              <a:t>2022.09.12.</a:t>
+              <a:t>2022.09.14.</a:t>
             </a:fld>
             <a:endParaRPr lang="hu-HU" dirty="0"/>
           </a:p>
@@ -4284,7 +4284,7 @@
           <a:p>
             <a:fld id="{9BB758CA-6997-4433-9EFA-55421D0724F0}" type="datetime1">
               <a:rPr lang="hu-HU" smtClean="0"/>
-              <a:t>2022.09.12.</a:t>
+              <a:t>2022.09.14.</a:t>
             </a:fld>
             <a:endParaRPr lang="hu-HU" dirty="0"/>
           </a:p>
@@ -4603,7 +4603,7 @@
           <a:p>
             <a:fld id="{B5E25174-839A-4F8F-B5E0-77E5D6BCCE58}" type="datetime1">
               <a:rPr lang="hu-HU" smtClean="0"/>
-              <a:t>2022.09.12.</a:t>
+              <a:t>2022.09.14.</a:t>
             </a:fld>
             <a:endParaRPr lang="hu-HU" dirty="0"/>
           </a:p>
@@ -4971,7 +4971,7 @@
           <a:p>
             <a:fld id="{878E9537-2762-43A4-A1BF-58330BE90666}" type="datetime1">
               <a:rPr lang="hu-HU" noProof="0" smtClean="0"/>
-              <a:t>2022.09.12.</a:t>
+              <a:t>2022.09.14.</a:t>
             </a:fld>
             <a:endParaRPr lang="hu-HU" noProof="0"/>
           </a:p>
@@ -5446,8 +5446,8 @@
         </p:nvSpPr>
         <p:spPr>
           <a:xfrm>
-            <a:off x="431800" y="254000"/>
-            <a:ext cx="10972800" cy="1168400"/>
+            <a:off x="6043960" y="0"/>
+            <a:ext cx="6148039" cy="797932"/>
           </a:xfrm>
         </p:spPr>
         <p:txBody>
@@ -5659,8 +5659,8 @@
         </p:nvSpPr>
         <p:spPr>
           <a:xfrm>
-            <a:off x="609600" y="228600"/>
-            <a:ext cx="10972800" cy="1130300"/>
+            <a:off x="0" y="0"/>
+            <a:ext cx="10972800" cy="730405"/>
           </a:xfrm>
         </p:spPr>
         <p:txBody>
@@ -5685,15 +5685,27 @@
             <p:ph idx="1"/>
           </p:nvPr>
         </p:nvSpPr>
-        <p:spPr/>
+        <p:spPr>
+          <a:xfrm>
+            <a:off x="609600" y="1600201"/>
+            <a:ext cx="6917473" cy="4525963"/>
+          </a:xfrm>
+        </p:spPr>
         <p:txBody>
           <a:bodyPr/>
           <a:lstStyle/>
           <a:p>
             <a:r>
               <a:rPr lang="hu-HU" dirty="0" smtClean="0"/>
-              <a:t>Mobiltelefon, Táblagép</a:t>
-            </a:r>
+              <a:t>Mobiltelefon, </a:t>
+            </a:r>
+            <a:r>
+              <a:rPr lang="hu-HU" dirty="0" smtClean="0"/>
+              <a:t>Táblagép: Alkalmazásként</a:t>
+            </a:r>
+          </a:p>
+          <a:p>
+            <a:endParaRPr lang="hu-HU" dirty="0" smtClean="0"/>
           </a:p>
           <a:p>
             <a:endParaRPr lang="hu-HU" dirty="0"/>
@@ -5701,17 +5713,92 @@
           <a:p>
             <a:r>
               <a:rPr lang="hu-HU" dirty="0" smtClean="0"/>
-              <a:t>PC, Laptop</a:t>
-            </a:r>
-          </a:p>
-          <a:p>
-            <a:endParaRPr lang="hu-HU"/>
-          </a:p>
-          <a:p>
-            <a:endParaRPr lang="hu-HU"/>
-          </a:p>
-        </p:txBody>
-      </p:sp>
+              <a:t>PC, </a:t>
+            </a:r>
+            <a:r>
+              <a:rPr lang="hu-HU" dirty="0" smtClean="0"/>
+              <a:t>Laptop: Asztali alkalmazásként,</a:t>
+            </a:r>
+          </a:p>
+          <a:p>
+            <a:pPr marL="0" indent="0">
+              <a:buNone/>
+            </a:pPr>
+            <a:r>
+              <a:rPr lang="hu-HU" dirty="0" smtClean="0"/>
+              <a:t> Böngésző kiegészítőként</a:t>
+            </a:r>
+          </a:p>
+          <a:p>
+            <a:endParaRPr lang="hu-HU" dirty="0" smtClean="0"/>
+          </a:p>
+          <a:p>
+            <a:endParaRPr lang="hu-HU" dirty="0"/>
+          </a:p>
+          <a:p>
+            <a:r>
+              <a:rPr lang="hu-HU" dirty="0" smtClean="0"/>
+              <a:t>Konzolok (Xbox, </a:t>
+            </a:r>
+            <a:r>
+              <a:rPr lang="hu-HU" dirty="0" err="1" smtClean="0"/>
+              <a:t>PlayStation</a:t>
+            </a:r>
+            <a:r>
+              <a:rPr lang="hu-HU" dirty="0" smtClean="0"/>
+              <a:t>): Alkalmazásként</a:t>
+            </a:r>
+            <a:endParaRPr lang="hu-HU" dirty="0" smtClean="0"/>
+          </a:p>
+          <a:p>
+            <a:endParaRPr lang="hu-HU" dirty="0"/>
+          </a:p>
+          <a:p>
+            <a:endParaRPr lang="hu-HU" dirty="0"/>
+          </a:p>
+        </p:txBody>
+      </p:sp>
+      <p:pic>
+        <p:nvPicPr>
+          <p:cNvPr id="1026" name="Picture 2" descr="https://b2c-contenthub.com/wp-content/uploads/2022/08/ExpressVPN_image1_white@2x-copy.jpg?quality=50&amp;strip=all"/>
+          <p:cNvPicPr>
+            <a:picLocks noChangeAspect="1" noChangeArrowheads="1"/>
+          </p:cNvPicPr>
+          <p:nvPr/>
+        </p:nvPicPr>
+        <p:blipFill>
+          <a:blip r:embed="rId3">
+            <a:extLst>
+              <a:ext uri="{28A0092B-C50C-407E-A947-70E740481C1C}">
+                <a14:useLocalDpi xmlns:a14="http://schemas.microsoft.com/office/drawing/2010/main" val="0"/>
+              </a:ext>
+            </a:extLst>
+          </a:blip>
+          <a:srcRect/>
+          <a:stretch>
+            <a:fillRect/>
+          </a:stretch>
+        </p:blipFill>
+        <p:spPr bwMode="auto">
+          <a:xfrm>
+            <a:off x="7716643" y="2287923"/>
+            <a:ext cx="4095673" cy="3150518"/>
+          </a:xfrm>
+          <a:prstGeom prst="rect">
+            <a:avLst/>
+          </a:prstGeom>
+          <a:noFill/>
+          <a:extLst>
+            <a:ext uri="{909E8E84-426E-40DD-AFC4-6F175D3DCCD1}">
+              <a14:hiddenFill xmlns:a14="http://schemas.microsoft.com/office/drawing/2010/main">
+                <a:solidFill>
+                  <a:srgbClr val="FFFFFF"/>
+                </a:solidFill>
+              </a14:hiddenFill>
+            </a:ext>
+          </a:extLst>
+        </p:spPr>
+      </p:pic>
     </p:spTree>
     <p:extLst>
       <p:ext uri="{BB962C8B-B14F-4D97-AF65-F5344CB8AC3E}">
@@ -5764,12 +5851,21 @@
             <p:ph type="title"/>
           </p:nvPr>
         </p:nvSpPr>
-        <p:spPr/>
+        <p:spPr>
+          <a:xfrm>
+            <a:off x="7422995" y="0"/>
+            <a:ext cx="4769005" cy="836341"/>
+          </a:xfrm>
+        </p:spPr>
         <p:txBody>
           <a:bodyPr/>
           <a:lstStyle/>
           <a:p>
-            <a:endParaRPr lang="hu-HU"/>
+            <a:r>
+              <a:rPr lang="hu-HU" dirty="0" smtClean="0"/>
+              <a:t>VPN Szoftverek</a:t>
+            </a:r>
+            <a:endParaRPr lang="hu-HU" dirty="0"/>
           </a:p>
         </p:txBody>
       </p:sp>
@@ -5783,15 +5879,298 @@
             <p:ph idx="1"/>
           </p:nvPr>
         </p:nvSpPr>
-        <p:spPr/>
-        <p:txBody>
-          <a:bodyPr/>
+        <p:spPr>
+          <a:xfrm>
+            <a:off x="609600" y="1042639"/>
+            <a:ext cx="10972800" cy="5581185"/>
+          </a:xfrm>
+        </p:spPr>
+        <p:txBody>
+          <a:bodyPr>
+            <a:normAutofit lnSpcReduction="10000"/>
+          </a:bodyPr>
           <a:lstStyle/>
           <a:p>
-            <a:endParaRPr lang="hu-HU"/>
-          </a:p>
-        </p:txBody>
-      </p:sp>
+            <a:r>
+              <a:rPr lang="hu-HU" dirty="0" smtClean="0"/>
+              <a:t>Express VPN</a:t>
+            </a:r>
+          </a:p>
+          <a:p>
+            <a:endParaRPr lang="hu-HU" dirty="0" smtClean="0"/>
+          </a:p>
+          <a:p>
+            <a:pPr algn="ctr"/>
+            <a:r>
+              <a:rPr lang="hu-HU" dirty="0" err="1" smtClean="0"/>
+              <a:t>Tunnelbear</a:t>
+            </a:r>
+            <a:r>
+              <a:rPr lang="hu-HU" dirty="0"/>
+              <a:t> </a:t>
+            </a:r>
+            <a:r>
+              <a:rPr lang="hu-HU" dirty="0" smtClean="0">
+                <a:solidFill>
+                  <a:srgbClr val="EDEBEB"/>
+                </a:solidFill>
+              </a:rPr>
+              <a:t>j</a:t>
+            </a:r>
+            <a:endParaRPr lang="hu-HU" dirty="0">
+              <a:solidFill>
+                <a:srgbClr val="EDEBEB"/>
+              </a:solidFill>
+            </a:endParaRPr>
+          </a:p>
+          <a:p>
+            <a:endParaRPr lang="hu-HU" dirty="0" smtClean="0"/>
+          </a:p>
+          <a:p>
+            <a:r>
+              <a:rPr lang="hu-HU" dirty="0" err="1" smtClean="0"/>
+              <a:t>Nord</a:t>
+            </a:r>
+            <a:r>
+              <a:rPr lang="hu-HU" dirty="0" smtClean="0"/>
+              <a:t> VPN</a:t>
+            </a:r>
+          </a:p>
+          <a:p>
+            <a:endParaRPr lang="hu-HU" dirty="0" smtClean="0"/>
+          </a:p>
+          <a:p>
+            <a:pPr algn="ctr"/>
+            <a:r>
+              <a:rPr lang="hu-HU" dirty="0" err="1" smtClean="0"/>
+              <a:t>Tomato</a:t>
+            </a:r>
+            <a:r>
+              <a:rPr lang="hu-HU" dirty="0"/>
+              <a:t> </a:t>
+            </a:r>
+            <a:r>
+              <a:rPr lang="hu-HU" dirty="0" smtClean="0"/>
+              <a:t>VPN</a:t>
+            </a:r>
+          </a:p>
+          <a:p>
+            <a:pPr marL="0" indent="0">
+              <a:buNone/>
+            </a:pPr>
+            <a:endParaRPr lang="hu-HU" dirty="0" smtClean="0"/>
+          </a:p>
+          <a:p>
+            <a:r>
+              <a:rPr lang="hu-HU" dirty="0" err="1" smtClean="0"/>
+              <a:t>Surfshark</a:t>
+            </a:r>
+            <a:endParaRPr lang="hu-HU" dirty="0" smtClean="0"/>
+          </a:p>
+          <a:p>
+            <a:endParaRPr lang="hu-HU" dirty="0" smtClean="0"/>
+          </a:p>
+          <a:p>
+            <a:endParaRPr lang="hu-HU" dirty="0"/>
+          </a:p>
+          <a:p>
+            <a:endParaRPr lang="hu-HU" dirty="0" smtClean="0"/>
+          </a:p>
+          <a:p>
+            <a:r>
+              <a:rPr lang="hu-HU" dirty="0" err="1"/>
+              <a:t>Cyberghost</a:t>
+            </a:r>
+            <a:r>
+              <a:rPr lang="hu-HU" dirty="0"/>
+              <a:t> </a:t>
+            </a:r>
+          </a:p>
+          <a:p>
+            <a:endParaRPr lang="hu-HU" dirty="0"/>
+          </a:p>
+        </p:txBody>
+      </p:sp>
+      <p:pic>
+        <p:nvPicPr>
+          <p:cNvPr id="2" name="Kép 1"/>
+          <p:cNvPicPr>
+            <a:picLocks noChangeAspect="1"/>
+          </p:cNvPicPr>
+          <p:nvPr/>
+        </p:nvPicPr>
+        <p:blipFill>
+          <a:blip r:embed="rId3">
+            <a:extLst>
+              <a:ext uri="{28A0092B-C50C-407E-A947-70E740481C1C}">
+                <a14:useLocalDpi xmlns:a14="http://schemas.microsoft.com/office/drawing/2010/main" val="0"/>
+              </a:ext>
+            </a:extLst>
+          </a:blip>
+          <a:stretch>
+            <a:fillRect/>
+          </a:stretch>
+        </p:blipFill>
+        <p:spPr>
+          <a:xfrm>
+            <a:off x="3063715" y="964840"/>
+            <a:ext cx="2274849" cy="435420"/>
+          </a:xfrm>
+          <a:prstGeom prst="rect">
+            <a:avLst/>
+          </a:prstGeom>
+        </p:spPr>
+      </p:pic>
+      <p:pic>
+        <p:nvPicPr>
+          <p:cNvPr id="7" name="Kép 6"/>
+          <p:cNvPicPr>
+            <a:picLocks noChangeAspect="1"/>
+          </p:cNvPicPr>
+          <p:nvPr/>
+        </p:nvPicPr>
+        <p:blipFill>
+          <a:blip r:embed="rId4">
+            <a:extLst>
+              <a:ext uri="{28A0092B-C50C-407E-A947-70E740481C1C}">
+                <a14:useLocalDpi xmlns:a14="http://schemas.microsoft.com/office/drawing/2010/main" val="0"/>
+              </a:ext>
+            </a:extLst>
+          </a:blip>
+          <a:stretch>
+            <a:fillRect/>
+          </a:stretch>
+        </p:blipFill>
+        <p:spPr>
+          <a:xfrm>
+            <a:off x="3115331" y="4028767"/>
+            <a:ext cx="996176" cy="996176"/>
+          </a:xfrm>
+          <a:prstGeom prst="rect">
+            <a:avLst/>
+          </a:prstGeom>
+        </p:spPr>
+      </p:pic>
+      <p:pic>
+        <p:nvPicPr>
+          <p:cNvPr id="8" name="Kép 7"/>
+          <p:cNvPicPr>
+            <a:picLocks noChangeAspect="1"/>
+          </p:cNvPicPr>
+          <p:nvPr/>
+        </p:nvPicPr>
+        <p:blipFill>
+          <a:blip r:embed="rId5">
+            <a:extLst>
+              <a:ext uri="{28A0092B-C50C-407E-A947-70E740481C1C}">
+                <a14:useLocalDpi xmlns:a14="http://schemas.microsoft.com/office/drawing/2010/main" val="0"/>
+              </a:ext>
+            </a:extLst>
+          </a:blip>
+          <a:stretch>
+            <a:fillRect/>
+          </a:stretch>
+        </p:blipFill>
+        <p:spPr>
+          <a:xfrm>
+            <a:off x="3119048" y="2392579"/>
+            <a:ext cx="1066376" cy="902865"/>
+          </a:xfrm>
+          <a:prstGeom prst="rect">
+            <a:avLst/>
+          </a:prstGeom>
+        </p:spPr>
+      </p:pic>
+      <p:pic>
+        <p:nvPicPr>
+          <p:cNvPr id="11" name="Kép 10"/>
+          <p:cNvPicPr>
+            <a:picLocks noChangeAspect="1"/>
+          </p:cNvPicPr>
+          <p:nvPr/>
+        </p:nvPicPr>
+        <p:blipFill>
+          <a:blip r:embed="rId6">
+            <a:extLst>
+              <a:ext uri="{28A0092B-C50C-407E-A947-70E740481C1C}">
+                <a14:useLocalDpi xmlns:a14="http://schemas.microsoft.com/office/drawing/2010/main" val="0"/>
+              </a:ext>
+            </a:extLst>
+          </a:blip>
+          <a:stretch>
+            <a:fillRect/>
+          </a:stretch>
+        </p:blipFill>
+        <p:spPr>
+          <a:xfrm>
+            <a:off x="3115331" y="5494020"/>
+            <a:ext cx="997644" cy="997644"/>
+          </a:xfrm>
+          <a:prstGeom prst="rect">
+            <a:avLst/>
+          </a:prstGeom>
+        </p:spPr>
+      </p:pic>
+      <p:pic>
+        <p:nvPicPr>
+          <p:cNvPr id="13" name="Kép 12"/>
+          <p:cNvPicPr>
+            <a:picLocks noChangeAspect="1"/>
+          </p:cNvPicPr>
+          <p:nvPr/>
+        </p:nvPicPr>
+        <p:blipFill>
+          <a:blip r:embed="rId7">
+            <a:extLst>
+              <a:ext uri="{28A0092B-C50C-407E-A947-70E740481C1C}">
+                <a14:useLocalDpi xmlns:a14="http://schemas.microsoft.com/office/drawing/2010/main" val="0"/>
+              </a:ext>
+            </a:extLst>
+          </a:blip>
+          <a:stretch>
+            <a:fillRect/>
+          </a:stretch>
+        </p:blipFill>
+        <p:spPr>
+          <a:xfrm>
+            <a:off x="7147931" y="1466907"/>
+            <a:ext cx="1158234" cy="1238296"/>
+          </a:xfrm>
+          <a:prstGeom prst="rect">
+            <a:avLst/>
+          </a:prstGeom>
+        </p:spPr>
+      </p:pic>
+      <p:pic>
+        <p:nvPicPr>
+          <p:cNvPr id="14" name="Kép 13"/>
+          <p:cNvPicPr>
+            <a:picLocks noChangeAspect="1"/>
+          </p:cNvPicPr>
+          <p:nvPr/>
+        </p:nvPicPr>
+        <p:blipFill>
+          <a:blip r:embed="rId8">
+            <a:extLst>
+              <a:ext uri="{28A0092B-C50C-407E-A947-70E740481C1C}">
+                <a14:useLocalDpi xmlns:a14="http://schemas.microsoft.com/office/drawing/2010/main" val="0"/>
+              </a:ext>
+            </a:extLst>
+          </a:blip>
+          <a:stretch>
+            <a:fillRect/>
+          </a:stretch>
+        </p:blipFill>
+        <p:spPr>
+          <a:xfrm>
+            <a:off x="7422995" y="3295444"/>
+            <a:ext cx="1018783" cy="1018783"/>
+          </a:xfrm>
+          <a:prstGeom prst="rect">
+            <a:avLst/>
+          </a:prstGeom>
+        </p:spPr>
+      </p:pic>
     </p:spTree>
     <p:extLst>
       <p:ext uri="{BB962C8B-B14F-4D97-AF65-F5344CB8AC3E}">
@@ -5836,7 +6215,7 @@
       </p:grpSpPr>
       <p:sp>
         <p:nvSpPr>
-          <p:cNvPr id="4" name="Cím 3"/>
+          <p:cNvPr id="3" name="Cím 2"/>
           <p:cNvSpPr>
             <a:spLocks noGrp="1"/>
           </p:cNvSpPr>
@@ -5849,13 +6228,17 @@
           <a:bodyPr/>
           <a:lstStyle/>
           <a:p>
-            <a:endParaRPr lang="hu-HU"/>
-          </a:p>
-        </p:txBody>
-      </p:sp>
-      <p:sp>
-        <p:nvSpPr>
-          <p:cNvPr id="5" name="Tartalom helye 4"/>
+            <a:r>
+              <a:rPr lang="hu-HU" dirty="0" smtClean="0"/>
+              <a:t>VPN Felületek</a:t>
+            </a:r>
+            <a:endParaRPr lang="hu-HU" dirty="0"/>
+          </a:p>
+        </p:txBody>
+      </p:sp>
+      <p:sp>
+        <p:nvSpPr>
+          <p:cNvPr id="6" name="Tartalom helye 5"/>
           <p:cNvSpPr>
             <a:spLocks noGrp="1"/>
           </p:cNvSpPr>

--- a/VPN-hálózatok.pptx
+++ b/VPN-hálózatok.pptx
@@ -5,10 +5,10 @@
     <p:sldMasterId id="2147483672" r:id="rId1"/>
   </p:sldMasterIdLst>
   <p:notesMasterIdLst>
-    <p:notesMasterId r:id="rId9"/>
+    <p:notesMasterId r:id="rId10"/>
   </p:notesMasterIdLst>
   <p:handoutMasterIdLst>
-    <p:handoutMasterId r:id="rId10"/>
+    <p:handoutMasterId r:id="rId11"/>
   </p:handoutMasterIdLst>
   <p:sldIdLst>
     <p:sldId id="270" r:id="rId2"/>
@@ -18,6 +18,7 @@
     <p:sldId id="274" r:id="rId6"/>
     <p:sldId id="279" r:id="rId7"/>
     <p:sldId id="278" r:id="rId8"/>
+    <p:sldId id="280" r:id="rId9"/>
   </p:sldIdLst>
   <p:sldSz cx="12192000" cy="6858000"/>
   <p:notesSz cx="6858000" cy="9144000"/>
@@ -504,7 +505,7 @@
               <a:rPr lang="hu-HU" smtClean="0">
                 <a:latin typeface="Palatino Linotype" panose="02040502050505030304" pitchFamily="18" charset="0"/>
               </a:rPr>
-              <a:t>2022.09.14.</a:t>
+              <a:t>2022.09.19.</a:t>
             </a:fld>
             <a:endParaRPr lang="hu-HU">
               <a:latin typeface="Palatino Linotype" panose="02040502050505030304" pitchFamily="18" charset="0"/>
@@ -684,7 +685,7 @@
           <a:p>
             <a:fld id="{027C63A2-7164-45DA-A237-A67E130C8FB9}" type="datetime1">
               <a:rPr lang="hu-HU" noProof="0" smtClean="0"/>
-              <a:t>2022.09.14.</a:t>
+              <a:t>2022.09.19.</a:t>
             </a:fld>
             <a:endParaRPr lang="hu-HU" noProof="0"/>
           </a:p>
@@ -1619,7 +1620,7 @@
           <a:p>
             <a:fld id="{C3314F3C-67A4-4BB7-BC05-3D0688190736}" type="datetime1">
               <a:rPr lang="hu-HU" smtClean="0"/>
-              <a:t>2022.09.14.</a:t>
+              <a:t>2022.09.19.</a:t>
             </a:fld>
             <a:endParaRPr lang="hu-HU" dirty="0"/>
           </a:p>
@@ -1861,7 +1862,7 @@
           <a:p>
             <a:fld id="{0BD2146C-7DA0-410A-A64D-87F664E742A9}" type="datetime1">
               <a:rPr lang="hu-HU" smtClean="0"/>
-              <a:t>2022.09.14.</a:t>
+              <a:t>2022.09.19.</a:t>
             </a:fld>
             <a:endParaRPr lang="hu-HU" dirty="0"/>
           </a:p>
@@ -2110,7 +2111,7 @@
           <a:p>
             <a:fld id="{85611632-7CB1-4B6C-9D69-28C04DD199B0}" type="datetime1">
               <a:rPr lang="hu-HU" smtClean="0"/>
-              <a:t>2022.09.14.</a:t>
+              <a:t>2022.09.19.</a:t>
             </a:fld>
             <a:endParaRPr lang="hu-HU" dirty="0"/>
           </a:p>
@@ -2393,7 +2394,7 @@
           <a:p>
             <a:fld id="{215C999E-8E59-4BB4-937F-D740C29819A4}" type="datetime1">
               <a:rPr lang="hu-HU" smtClean="0"/>
-              <a:t>2022.09.14.</a:t>
+              <a:t>2022.09.19.</a:t>
             </a:fld>
             <a:endParaRPr lang="hu-HU" dirty="0"/>
           </a:p>
@@ -2846,7 +2847,7 @@
           <a:p>
             <a:fld id="{9BEEE4E3-CB32-4071-9E04-2BF7DE420A08}" type="datetime1">
               <a:rPr lang="hu-HU" smtClean="0"/>
-              <a:t>2022.09.14.</a:t>
+              <a:t>2022.09.19.</a:t>
             </a:fld>
             <a:endParaRPr lang="hu-HU" dirty="0"/>
           </a:p>
@@ -3185,7 +3186,7 @@
           <a:p>
             <a:fld id="{1F35C951-6711-43E4-A136-842C16F113DE}" type="datetime1">
               <a:rPr lang="hu-HU" smtClean="0"/>
-              <a:t>2022.09.14.</a:t>
+              <a:t>2022.09.19.</a:t>
             </a:fld>
             <a:endParaRPr lang="hu-HU" dirty="0"/>
           </a:p>
@@ -3652,7 +3653,7 @@
           <a:p>
             <a:fld id="{17A4DB6E-E413-4B47-87C3-72E8A9F98512}" type="datetime1">
               <a:rPr lang="hu-HU" smtClean="0"/>
-              <a:t>2022.09.14.</a:t>
+              <a:t>2022.09.19.</a:t>
             </a:fld>
             <a:endParaRPr lang="hu-HU" dirty="0"/>
           </a:p>
@@ -3817,7 +3818,7 @@
           <a:p>
             <a:fld id="{5D57FE49-6D9E-4C8F-A53D-77EB00FD10B9}" type="datetime1">
               <a:rPr lang="hu-HU" noProof="0" smtClean="0"/>
-              <a:t>2022.09.14.</a:t>
+              <a:t>2022.09.19.</a:t>
             </a:fld>
             <a:endParaRPr lang="hu-HU" noProof="0"/>
           </a:p>
@@ -3947,7 +3948,7 @@
           <a:p>
             <a:fld id="{FEC845B7-637E-4143-B2AF-5AE091C2EBB0}" type="datetime1">
               <a:rPr lang="hu-HU" smtClean="0"/>
-              <a:t>2022.09.14.</a:t>
+              <a:t>2022.09.19.</a:t>
             </a:fld>
             <a:endParaRPr lang="hu-HU" dirty="0"/>
           </a:p>
@@ -4284,7 +4285,7 @@
           <a:p>
             <a:fld id="{9BB758CA-6997-4433-9EFA-55421D0724F0}" type="datetime1">
               <a:rPr lang="hu-HU" smtClean="0"/>
-              <a:t>2022.09.14.</a:t>
+              <a:t>2022.09.19.</a:t>
             </a:fld>
             <a:endParaRPr lang="hu-HU" dirty="0"/>
           </a:p>
@@ -4603,7 +4604,7 @@
           <a:p>
             <a:fld id="{B5E25174-839A-4F8F-B5E0-77E5D6BCCE58}" type="datetime1">
               <a:rPr lang="hu-HU" smtClean="0"/>
-              <a:t>2022.09.14.</a:t>
+              <a:t>2022.09.19.</a:t>
             </a:fld>
             <a:endParaRPr lang="hu-HU" dirty="0"/>
           </a:p>
@@ -4971,7 +4972,7 @@
           <a:p>
             <a:fld id="{878E9537-2762-43A4-A1BF-58330BE90666}" type="datetime1">
               <a:rPr lang="hu-HU" noProof="0" smtClean="0"/>
-              <a:t>2022.09.14.</a:t>
+              <a:t>2022.09.19.</a:t>
             </a:fld>
             <a:endParaRPr lang="hu-HU" noProof="0"/>
           </a:p>
@@ -5338,8 +5339,8 @@
         </p:nvSpPr>
         <p:spPr>
           <a:xfrm>
-            <a:off x="762000" y="1485899"/>
-            <a:ext cx="10363200" cy="1816101"/>
+            <a:off x="762000" y="685800"/>
+            <a:ext cx="10363200" cy="1117600"/>
           </a:xfrm>
         </p:spPr>
         <p:txBody>
@@ -5371,12 +5372,14 @@
         </p:nvSpPr>
         <p:spPr>
           <a:xfrm>
-            <a:off x="10058400" y="5740400"/>
+            <a:off x="10058400" y="5575300"/>
             <a:ext cx="2133600" cy="965200"/>
           </a:xfrm>
         </p:spPr>
         <p:txBody>
-          <a:bodyPr rtlCol="0"/>
+          <a:bodyPr rtlCol="0">
+            <a:normAutofit fontScale="92500" lnSpcReduction="20000"/>
+          </a:bodyPr>
           <a:lstStyle/>
           <a:p>
             <a:pPr rtl="0"/>
@@ -5384,7 +5387,20 @@
               <a:rPr lang="hu-HU" dirty="0" smtClean="0">
                 <a:latin typeface="Palatino Linotype" panose="02040502050505030304" pitchFamily="18" charset="0"/>
               </a:rPr>
-              <a:t>Készítette: Lamp András</a:t>
+              <a:t>Készítette: Lamp </a:t>
+            </a:r>
+            <a:r>
+              <a:rPr lang="hu-HU" dirty="0" smtClean="0">
+                <a:latin typeface="Palatino Linotype" panose="02040502050505030304" pitchFamily="18" charset="0"/>
+              </a:rPr>
+              <a:t>András</a:t>
+            </a:r>
+          </a:p>
+          <a:p>
+            <a:pPr rtl="0"/>
+            <a:r>
+              <a:rPr lang="hu-HU" dirty="0" smtClean="0"/>
+              <a:t>10. A</a:t>
             </a:r>
             <a:endParaRPr lang="hu-HU" dirty="0">
               <a:latin typeface="Palatino Linotype" panose="02040502050505030304" pitchFamily="18" charset="0"/>
@@ -5392,6 +5408,36 @@
           </a:p>
         </p:txBody>
       </p:sp>
+      <p:pic>
+        <p:nvPicPr>
+          <p:cNvPr id="4" name="Kép 3"/>
+          <p:cNvPicPr>
+            <a:picLocks noChangeAspect="1"/>
+          </p:cNvPicPr>
+          <p:nvPr/>
+        </p:nvPicPr>
+        <p:blipFill>
+          <a:blip r:embed="rId3">
+            <a:extLst>
+              <a:ext uri="{28A0092B-C50C-407E-A947-70E740481C1C}">
+                <a14:useLocalDpi xmlns:a14="http://schemas.microsoft.com/office/drawing/2010/main" val="0"/>
+              </a:ext>
+            </a:extLst>
+          </a:blip>
+          <a:stretch>
+            <a:fillRect/>
+          </a:stretch>
+        </p:blipFill>
+        <p:spPr>
+          <a:xfrm>
+            <a:off x="2895600" y="2314448"/>
+            <a:ext cx="6096000" cy="3425952"/>
+          </a:xfrm>
+          <a:prstGeom prst="rect">
+            <a:avLst/>
+          </a:prstGeom>
+        </p:spPr>
+      </p:pic>
     </p:spTree>
     <p:extLst>
       <p:ext uri="{BB962C8B-B14F-4D97-AF65-F5344CB8AC3E}">
@@ -5414,6 +5460,13 @@
       </p:transition>
     </mc:Fallback>
   </mc:AlternateContent>
+  <p:timing>
+    <p:tnLst>
+      <p:par>
+        <p:cTn id="1" dur="indefinite" restart="never" nodeType="tmRoot"/>
+      </p:par>
+    </p:tnLst>
+  </p:timing>
 </p:sld>
 </file>
 
@@ -5475,8 +5528,8 @@
         </p:nvSpPr>
         <p:spPr>
           <a:xfrm>
-            <a:off x="431800" y="2311400"/>
-            <a:ext cx="6197600" cy="2677656"/>
+            <a:off x="431800" y="1905000"/>
+            <a:ext cx="6197600" cy="3416320"/>
           </a:xfrm>
           <a:prstGeom prst="rect">
             <a:avLst/>
@@ -5511,7 +5564,11 @@
             </a:r>
             <a:r>
               <a:rPr lang="hu-HU" sz="2400" dirty="0" smtClean="0"/>
-              <a:t> Network</a:t>
+              <a:t> </a:t>
+            </a:r>
+            <a:r>
+              <a:rPr lang="hu-HU" sz="2400" dirty="0" smtClean="0"/>
+              <a:t>Network</a:t>
             </a:r>
           </a:p>
           <a:p>
@@ -5526,10 +5583,28 @@
               <a:buFont typeface="Arial" panose="020B0604020202020204" pitchFamily="34" charset="0"/>
               <a:buChar char="•"/>
             </a:pPr>
+            <a:endParaRPr lang="hu-HU" sz="2400" dirty="0" smtClean="0"/>
+          </a:p>
+          <a:p>
+            <a:pPr marL="342900" indent="-342900">
+              <a:buFont typeface="Arial" panose="020B0604020202020204" pitchFamily="34" charset="0"/>
+              <a:buChar char="•"/>
+            </a:pPr>
             <a:r>
               <a:rPr lang="hu-HU" sz="2400" dirty="0" smtClean="0"/>
-              <a:t>Magyarul: Virtuális magánhálózat</a:t>
-            </a:r>
+              <a:t>Magyarul: Virtuális </a:t>
+            </a:r>
+            <a:r>
+              <a:rPr lang="hu-HU" sz="2400" dirty="0" smtClean="0"/>
+              <a:t>magánhálózat</a:t>
+            </a:r>
+          </a:p>
+          <a:p>
+            <a:pPr marL="342900" indent="-342900">
+              <a:buFont typeface="Arial" panose="020B0604020202020204" pitchFamily="34" charset="0"/>
+              <a:buChar char="•"/>
+            </a:pPr>
+            <a:endParaRPr lang="hu-HU" sz="2400" dirty="0" smtClean="0"/>
           </a:p>
           <a:p>
             <a:pPr marL="342900" indent="-342900">
@@ -5627,6 +5702,13 @@
       </p:transition>
     </mc:Fallback>
   </mc:AlternateContent>
+  <p:timing>
+    <p:tnLst>
+      <p:par>
+        <p:cTn id="1" dur="indefinite" restart="never" nodeType="tmRoot"/>
+      </p:par>
+    </p:tnLst>
+  </p:timing>
 </p:sld>
 </file>
 
@@ -5697,27 +5779,19 @@
           <a:p>
             <a:r>
               <a:rPr lang="hu-HU" dirty="0" smtClean="0"/>
-              <a:t>Mobiltelefon, </a:t>
-            </a:r>
+              <a:t>Mobiltelefon, Táblagép: Alkalmazásként</a:t>
+            </a:r>
+          </a:p>
+          <a:p>
+            <a:endParaRPr lang="hu-HU" dirty="0" smtClean="0"/>
+          </a:p>
+          <a:p>
+            <a:endParaRPr lang="hu-HU" dirty="0"/>
+          </a:p>
+          <a:p>
             <a:r>
               <a:rPr lang="hu-HU" dirty="0" smtClean="0"/>
-              <a:t>Táblagép: Alkalmazásként</a:t>
-            </a:r>
-          </a:p>
-          <a:p>
-            <a:endParaRPr lang="hu-HU" dirty="0" smtClean="0"/>
-          </a:p>
-          <a:p>
-            <a:endParaRPr lang="hu-HU" dirty="0"/>
-          </a:p>
-          <a:p>
-            <a:r>
-              <a:rPr lang="hu-HU" dirty="0" smtClean="0"/>
-              <a:t>PC, </a:t>
-            </a:r>
-            <a:r>
-              <a:rPr lang="hu-HU" dirty="0" smtClean="0"/>
-              <a:t>Laptop: Asztali alkalmazásként,</a:t>
+              <a:t>PC, Laptop: Asztali alkalmazásként,</a:t>
             </a:r>
           </a:p>
           <a:p>
@@ -5748,7 +5822,6 @@
               <a:rPr lang="hu-HU" dirty="0" smtClean="0"/>
               <a:t>): Alkalmazásként</a:t>
             </a:r>
-            <a:endParaRPr lang="hu-HU" dirty="0" smtClean="0"/>
           </a:p>
           <a:p>
             <a:endParaRPr lang="hu-HU" dirty="0"/>
@@ -5821,6 +5894,13 @@
       </p:transition>
     </mc:Fallback>
   </mc:AlternateContent>
+  <p:timing>
+    <p:tnLst>
+      <p:par>
+        <p:cTn id="1" dur="indefinite" restart="never" nodeType="tmRoot"/>
+      </p:par>
+    </p:tnLst>
+  </p:timing>
 </p:sld>
 </file>
 
@@ -5881,8 +5961,8 @@
         </p:nvSpPr>
         <p:spPr>
           <a:xfrm>
-            <a:off x="609600" y="1042639"/>
-            <a:ext cx="10972800" cy="5581185"/>
+            <a:off x="596900" y="139701"/>
+            <a:ext cx="10972800" cy="6718300"/>
           </a:xfrm>
         </p:spPr>
         <p:txBody>
@@ -5897,97 +5977,189 @@
             </a:r>
           </a:p>
           <a:p>
+            <a:pPr>
+              <a:buFont typeface="+mj-lt"/>
+              <a:buAutoNum type="arabicPeriod"/>
+            </a:pPr>
+            <a:r>
+              <a:rPr lang="hu-HU" sz="1800" dirty="0" smtClean="0"/>
+              <a:t>Telefon</a:t>
+            </a:r>
+          </a:p>
+          <a:p>
+            <a:pPr>
+              <a:buFont typeface="+mj-lt"/>
+              <a:buAutoNum type="arabicPeriod"/>
+            </a:pPr>
+            <a:r>
+              <a:rPr lang="hu-HU" sz="1800" dirty="0" smtClean="0"/>
+              <a:t>PC, Laptop</a:t>
+            </a:r>
+          </a:p>
+          <a:p>
+            <a:pPr>
+              <a:buFont typeface="+mj-lt"/>
+              <a:buAutoNum type="arabicPeriod"/>
+            </a:pPr>
+            <a:r>
+              <a:rPr lang="hu-HU" sz="1800" dirty="0" smtClean="0"/>
+              <a:t>Konzolok, TV</a:t>
+            </a:r>
+            <a:endParaRPr lang="hu-HU" sz="1800" dirty="0" smtClean="0"/>
+          </a:p>
+          <a:p>
+            <a:pPr algn="ctr"/>
+            <a:endParaRPr lang="hu-HU" sz="1900" dirty="0" smtClean="0"/>
+          </a:p>
+          <a:p>
+            <a:r>
+              <a:rPr lang="hu-HU" dirty="0" err="1" smtClean="0"/>
+              <a:t>Nord</a:t>
+            </a:r>
+            <a:r>
+              <a:rPr lang="hu-HU" dirty="0" smtClean="0"/>
+              <a:t> </a:t>
+            </a:r>
+            <a:r>
+              <a:rPr lang="hu-HU" dirty="0" smtClean="0"/>
+              <a:t>VPN</a:t>
+            </a:r>
+          </a:p>
+          <a:p>
+            <a:pPr>
+              <a:buFont typeface="+mj-lt"/>
+              <a:buAutoNum type="arabicPeriod"/>
+            </a:pPr>
+            <a:r>
+              <a:rPr lang="hu-HU" sz="1800" dirty="0"/>
+              <a:t>Telefon</a:t>
+            </a:r>
+          </a:p>
+          <a:p>
+            <a:pPr>
+              <a:buFont typeface="+mj-lt"/>
+              <a:buAutoNum type="arabicPeriod"/>
+            </a:pPr>
+            <a:r>
+              <a:rPr lang="hu-HU" sz="1800" dirty="0"/>
+              <a:t>PC, Laptop</a:t>
+            </a:r>
+          </a:p>
+          <a:p>
+            <a:pPr>
+              <a:buFont typeface="+mj-lt"/>
+              <a:buAutoNum type="arabicPeriod"/>
+            </a:pPr>
+            <a:r>
+              <a:rPr lang="hu-HU" sz="1800" dirty="0"/>
+              <a:t>Konzolok, </a:t>
+            </a:r>
+            <a:r>
+              <a:rPr lang="hu-HU" sz="1800" dirty="0" smtClean="0"/>
+              <a:t>TV</a:t>
+            </a:r>
+          </a:p>
+          <a:p>
+            <a:pPr>
+              <a:buFont typeface="+mj-lt"/>
+              <a:buAutoNum type="arabicPeriod"/>
+            </a:pPr>
+            <a:endParaRPr lang="hu-HU" sz="1800" dirty="0" smtClean="0"/>
+          </a:p>
+          <a:p>
+            <a:r>
+              <a:rPr lang="hu-HU" dirty="0" err="1" smtClean="0"/>
+              <a:t>Surfshark</a:t>
+            </a:r>
             <a:endParaRPr lang="hu-HU" dirty="0" smtClean="0"/>
           </a:p>
           <a:p>
-            <a:pPr algn="ctr"/>
-            <a:r>
-              <a:rPr lang="hu-HU" dirty="0" err="1" smtClean="0"/>
-              <a:t>Tunnelbear</a:t>
+            <a:pPr>
+              <a:buFont typeface="+mj-lt"/>
+              <a:buAutoNum type="arabicPeriod"/>
+            </a:pPr>
+            <a:r>
+              <a:rPr lang="hu-HU" sz="1800" dirty="0"/>
+              <a:t>Telefon</a:t>
+            </a:r>
+          </a:p>
+          <a:p>
+            <a:pPr>
+              <a:buFont typeface="+mj-lt"/>
+              <a:buAutoNum type="arabicPeriod"/>
+            </a:pPr>
+            <a:r>
+              <a:rPr lang="hu-HU" sz="1800" dirty="0"/>
+              <a:t>PC, Laptop</a:t>
+            </a:r>
+          </a:p>
+          <a:p>
+            <a:pPr>
+              <a:buFont typeface="+mj-lt"/>
+              <a:buAutoNum type="arabicPeriod"/>
+            </a:pPr>
+            <a:r>
+              <a:rPr lang="hu-HU" sz="1800" dirty="0"/>
+              <a:t>Konzolok, </a:t>
+            </a:r>
+            <a:r>
+              <a:rPr lang="hu-HU" sz="1800" dirty="0" smtClean="0"/>
+              <a:t>TV</a:t>
+            </a:r>
+          </a:p>
+          <a:p>
+            <a:pPr>
+              <a:buFont typeface="+mj-lt"/>
+              <a:buAutoNum type="arabicPeriod"/>
+            </a:pPr>
+            <a:endParaRPr lang="hu-HU" dirty="0" smtClean="0"/>
+          </a:p>
+          <a:p>
+            <a:r>
+              <a:rPr lang="hu-HU" dirty="0" err="1"/>
+              <a:t>Cyberghost</a:t>
             </a:r>
             <a:r>
               <a:rPr lang="hu-HU" dirty="0"/>
               <a:t> </a:t>
             </a:r>
-            <a:r>
-              <a:rPr lang="hu-HU" dirty="0" smtClean="0">
-                <a:solidFill>
-                  <a:srgbClr val="EDEBEB"/>
-                </a:solidFill>
-              </a:rPr>
-              <a:t>j</a:t>
-            </a:r>
-            <a:endParaRPr lang="hu-HU" dirty="0">
-              <a:solidFill>
-                <a:srgbClr val="EDEBEB"/>
-              </a:solidFill>
-            </a:endParaRPr>
-          </a:p>
-          <a:p>
-            <a:endParaRPr lang="hu-HU" dirty="0" smtClean="0"/>
-          </a:p>
-          <a:p>
-            <a:r>
-              <a:rPr lang="hu-HU" dirty="0" err="1" smtClean="0"/>
-              <a:t>Nord</a:t>
-            </a:r>
-            <a:r>
-              <a:rPr lang="hu-HU" dirty="0" smtClean="0"/>
-              <a:t> VPN</a:t>
-            </a:r>
-          </a:p>
-          <a:p>
-            <a:endParaRPr lang="hu-HU" dirty="0" smtClean="0"/>
-          </a:p>
-          <a:p>
-            <a:pPr algn="ctr"/>
-            <a:r>
-              <a:rPr lang="hu-HU" dirty="0" err="1" smtClean="0"/>
-              <a:t>Tomato</a:t>
-            </a:r>
-            <a:r>
-              <a:rPr lang="hu-HU" dirty="0"/>
-              <a:t> </a:t>
-            </a:r>
-            <a:r>
-              <a:rPr lang="hu-HU" dirty="0" smtClean="0"/>
-              <a:t>VPN</a:t>
-            </a:r>
-          </a:p>
-          <a:p>
-            <a:pPr marL="0" indent="0">
-              <a:buNone/>
+          </a:p>
+          <a:p>
+            <a:pPr>
+              <a:buFont typeface="+mj-lt"/>
+              <a:buAutoNum type="arabicPeriod"/>
             </a:pPr>
-            <a:endParaRPr lang="hu-HU" dirty="0" smtClean="0"/>
-          </a:p>
-          <a:p>
-            <a:r>
-              <a:rPr lang="hu-HU" dirty="0" err="1" smtClean="0"/>
-              <a:t>Surfshark</a:t>
-            </a:r>
-            <a:endParaRPr lang="hu-HU" dirty="0" smtClean="0"/>
-          </a:p>
-          <a:p>
-            <a:endParaRPr lang="hu-HU" dirty="0" smtClean="0"/>
-          </a:p>
-          <a:p>
-            <a:endParaRPr lang="hu-HU" dirty="0"/>
-          </a:p>
-          <a:p>
-            <a:endParaRPr lang="hu-HU" dirty="0" smtClean="0"/>
-          </a:p>
-          <a:p>
-            <a:r>
-              <a:rPr lang="hu-HU" dirty="0" err="1"/>
-              <a:t>Cyberghost</a:t>
-            </a:r>
-            <a:r>
-              <a:rPr lang="hu-HU" dirty="0"/>
-              <a:t> </a:t>
-            </a:r>
-          </a:p>
-          <a:p>
-            <a:endParaRPr lang="hu-HU" dirty="0"/>
+            <a:r>
+              <a:rPr lang="hu-HU" sz="2000" dirty="0"/>
+              <a:t>Telefon</a:t>
+            </a:r>
+          </a:p>
+          <a:p>
+            <a:pPr>
+              <a:buFont typeface="+mj-lt"/>
+              <a:buAutoNum type="arabicPeriod"/>
+            </a:pPr>
+            <a:r>
+              <a:rPr lang="hu-HU" sz="2000" dirty="0"/>
+              <a:t>PC, Laptop</a:t>
+            </a:r>
+          </a:p>
+          <a:p>
+            <a:pPr>
+              <a:buFont typeface="+mj-lt"/>
+              <a:buAutoNum type="arabicPeriod"/>
+            </a:pPr>
+            <a:r>
+              <a:rPr lang="hu-HU" sz="2000" dirty="0"/>
+              <a:t>Konzolok, TV</a:t>
+            </a:r>
+          </a:p>
+          <a:p>
+            <a:pPr marL="457200" indent="-457200">
+              <a:buFont typeface="+mj-lt"/>
+              <a:buAutoNum type="arabicPeriod"/>
+            </a:pPr>
+            <a:endParaRPr lang="hu-HU" sz="1900" dirty="0"/>
           </a:p>
         </p:txBody>
       </p:sp>
@@ -6013,7 +6185,7 @@
         </p:blipFill>
         <p:spPr>
           <a:xfrm>
-            <a:off x="3063715" y="964840"/>
+            <a:off x="3120482" y="139701"/>
             <a:ext cx="2274849" cy="435420"/>
           </a:xfrm>
           <a:prstGeom prst="rect">
@@ -6043,7 +6215,7 @@
         </p:blipFill>
         <p:spPr>
           <a:xfrm>
-            <a:off x="3115331" y="4028767"/>
+            <a:off x="3120482" y="3443619"/>
             <a:ext cx="996176" cy="996176"/>
           </a:xfrm>
           <a:prstGeom prst="rect">
@@ -6073,7 +6245,7 @@
         </p:blipFill>
         <p:spPr>
           <a:xfrm>
-            <a:off x="3119048" y="2392579"/>
+            <a:off x="3153869" y="1825452"/>
             <a:ext cx="1066376" cy="902865"/>
           </a:xfrm>
           <a:prstGeom prst="rect">
@@ -6103,12 +6275,36 @@
         </p:blipFill>
         <p:spPr>
           <a:xfrm>
-            <a:off x="3115331" y="5494020"/>
+            <a:off x="3119014" y="5182931"/>
             <a:ext cx="997644" cy="997644"/>
           </a:xfrm>
-          <a:prstGeom prst="rect">
+          <a:prstGeom prst="ellipse">
             <a:avLst/>
           </a:prstGeom>
+          <a:ln w="63500" cap="rnd">
+            <a:solidFill>
+              <a:srgbClr val="333333"/>
+            </a:solidFill>
+          </a:ln>
+          <a:effectLst>
+            <a:outerShdw blurRad="381000" dist="292100" dir="5400000" sx="-80000" sy="-18000" rotWithShape="0">
+              <a:srgbClr val="000000">
+                <a:alpha val="22000"/>
+              </a:srgbClr>
+            </a:outerShdw>
+          </a:effectLst>
+          <a:scene3d>
+            <a:camera prst="orthographicFront"/>
+            <a:lightRig rig="contrasting" dir="t">
+              <a:rot lat="0" lon="0" rev="3000000"/>
+            </a:lightRig>
+          </a:scene3d>
+          <a:sp3d contourW="7620">
+            <a:bevelT w="95250" h="31750"/>
+            <a:contourClr>
+              <a:srgbClr val="333333"/>
+            </a:contourClr>
+          </a:sp3d>
         </p:spPr>
       </p:pic>
       <p:pic>
@@ -6133,7 +6329,7 @@
         </p:blipFill>
         <p:spPr>
           <a:xfrm>
-            <a:off x="7147931" y="1466907"/>
+            <a:off x="8198644" y="1397848"/>
             <a:ext cx="1158234" cy="1238296"/>
           </a:xfrm>
           <a:prstGeom prst="rect">
@@ -6163,7 +6359,7 @@
         </p:blipFill>
         <p:spPr>
           <a:xfrm>
-            <a:off x="7422995" y="3295444"/>
+            <a:off x="8623154" y="3498851"/>
             <a:ext cx="1018783" cy="1018783"/>
           </a:xfrm>
           <a:prstGeom prst="rect">
@@ -6171,6 +6367,112 @@
           </a:prstGeom>
         </p:spPr>
       </p:pic>
+      <p:sp>
+        <p:nvSpPr>
+          <p:cNvPr id="3" name="Szövegdoboz 2"/>
+          <p:cNvSpPr txBox="1"/>
+          <p:nvPr/>
+        </p:nvSpPr>
+        <p:spPr>
+          <a:xfrm>
+            <a:off x="6152995" y="1509165"/>
+            <a:ext cx="2737820" cy="1015663"/>
+          </a:xfrm>
+          <a:prstGeom prst="rect">
+            <a:avLst/>
+          </a:prstGeom>
+          <a:noFill/>
+        </p:spPr>
+        <p:txBody>
+          <a:bodyPr wrap="square" rtlCol="0">
+            <a:spAutoFit/>
+          </a:bodyPr>
+          <a:lstStyle/>
+          <a:p>
+            <a:pPr marL="285750" indent="-285750">
+              <a:buFont typeface="Arial" panose="020B0604020202020204" pitchFamily="34" charset="0"/>
+              <a:buChar char="•"/>
+            </a:pPr>
+            <a:r>
+              <a:rPr lang="hu-HU" sz="2200" dirty="0" err="1" smtClean="0"/>
+              <a:t>Tunnelbear</a:t>
+            </a:r>
+            <a:endParaRPr lang="hu-HU" sz="2400" dirty="0">
+              <a:solidFill>
+                <a:srgbClr val="EDEBEB"/>
+              </a:solidFill>
+            </a:endParaRPr>
+          </a:p>
+          <a:p>
+            <a:pPr marL="457200" indent="-457200">
+              <a:buFont typeface="+mj-lt"/>
+              <a:buAutoNum type="arabicPeriod"/>
+            </a:pPr>
+            <a:r>
+              <a:rPr lang="hu-HU" dirty="0"/>
+              <a:t>Telefon</a:t>
+            </a:r>
+          </a:p>
+          <a:p>
+            <a:pPr marL="457200" indent="-457200">
+              <a:buFont typeface="+mj-lt"/>
+              <a:buAutoNum type="arabicPeriod"/>
+            </a:pPr>
+            <a:r>
+              <a:rPr lang="hu-HU" dirty="0"/>
+              <a:t>PC, Laptop</a:t>
+            </a:r>
+          </a:p>
+        </p:txBody>
+      </p:sp>
+      <p:sp>
+        <p:nvSpPr>
+          <p:cNvPr id="6" name="Szövegdoboz 5"/>
+          <p:cNvSpPr txBox="1"/>
+          <p:nvPr/>
+        </p:nvSpPr>
+        <p:spPr>
+          <a:xfrm>
+            <a:off x="6249020" y="3807824"/>
+            <a:ext cx="2572375" cy="707886"/>
+          </a:xfrm>
+          <a:prstGeom prst="rect">
+            <a:avLst/>
+          </a:prstGeom>
+          <a:noFill/>
+        </p:spPr>
+        <p:txBody>
+          <a:bodyPr wrap="square" rtlCol="0">
+            <a:spAutoFit/>
+          </a:bodyPr>
+          <a:lstStyle/>
+          <a:p>
+            <a:pPr marL="342900" indent="-342900">
+              <a:buFont typeface="Arial" panose="020B0604020202020204" pitchFamily="34" charset="0"/>
+              <a:buChar char="•"/>
+            </a:pPr>
+            <a:r>
+              <a:rPr lang="hu-HU" sz="2200" dirty="0" err="1"/>
+              <a:t>Tomato</a:t>
+            </a:r>
+            <a:r>
+              <a:rPr lang="hu-HU" sz="2200" dirty="0"/>
+              <a:t> VPN</a:t>
+            </a:r>
+          </a:p>
+          <a:p>
+            <a:pPr marL="342900" indent="-342900">
+              <a:buFont typeface="+mj-lt"/>
+              <a:buAutoNum type="arabicPeriod"/>
+            </a:pPr>
+            <a:r>
+              <a:rPr lang="hu-HU" dirty="0" smtClean="0"/>
+              <a:t>Telefon</a:t>
+            </a:r>
+            <a:endParaRPr lang="hu-HU" dirty="0"/>
+          </a:p>
+        </p:txBody>
+      </p:sp>
     </p:spTree>
     <p:extLst>
       <p:ext uri="{BB962C8B-B14F-4D97-AF65-F5344CB8AC3E}">
@@ -6193,6 +6495,13 @@
       </p:transition>
     </mc:Fallback>
   </mc:AlternateContent>
+  <p:timing>
+    <p:tnLst>
+      <p:par>
+        <p:cTn id="1" dur="indefinite" restart="never" nodeType="tmRoot"/>
+      </p:par>
+    </p:tnLst>
+  </p:timing>
 </p:sld>
 </file>
 
@@ -6223,7 +6532,12 @@
             <p:ph type="title"/>
           </p:nvPr>
         </p:nvSpPr>
-        <p:spPr/>
+        <p:spPr>
+          <a:xfrm>
+            <a:off x="7670800" y="0"/>
+            <a:ext cx="4521200" cy="838200"/>
+          </a:xfrm>
+        </p:spPr>
         <p:txBody>
           <a:bodyPr/>
           <a:lstStyle/>
@@ -6236,25 +6550,96 @@
           </a:p>
         </p:txBody>
       </p:sp>
-      <p:sp>
-        <p:nvSpPr>
-          <p:cNvPr id="6" name="Tartalom helye 5"/>
-          <p:cNvSpPr>
-            <a:spLocks noGrp="1"/>
-          </p:cNvSpPr>
-          <p:nvPr>
-            <p:ph idx="1"/>
-          </p:nvPr>
-        </p:nvSpPr>
-        <p:spPr/>
-        <p:txBody>
-          <a:bodyPr/>
-          <a:lstStyle/>
-          <a:p>
-            <a:endParaRPr lang="hu-HU"/>
-          </a:p>
-        </p:txBody>
-      </p:sp>
+      <p:pic>
+        <p:nvPicPr>
+          <p:cNvPr id="4" name="Kép 3"/>
+          <p:cNvPicPr>
+            <a:picLocks noChangeAspect="1"/>
+          </p:cNvPicPr>
+          <p:nvPr/>
+        </p:nvPicPr>
+        <p:blipFill>
+          <a:blip r:embed="rId3">
+            <a:extLst>
+              <a:ext uri="{28A0092B-C50C-407E-A947-70E740481C1C}">
+                <a14:useLocalDpi xmlns:a14="http://schemas.microsoft.com/office/drawing/2010/main" val="0"/>
+              </a:ext>
+            </a:extLst>
+          </a:blip>
+          <a:stretch>
+            <a:fillRect/>
+          </a:stretch>
+        </p:blipFill>
+        <p:spPr>
+          <a:xfrm>
+            <a:off x="698500" y="324359"/>
+            <a:ext cx="4495800" cy="2742437"/>
+          </a:xfrm>
+          <a:prstGeom prst="rect">
+            <a:avLst/>
+          </a:prstGeom>
+        </p:spPr>
+      </p:pic>
+      <p:pic>
+        <p:nvPicPr>
+          <p:cNvPr id="5" name="Kép 4"/>
+          <p:cNvPicPr>
+            <a:picLocks noChangeAspect="1"/>
+          </p:cNvPicPr>
+          <p:nvPr/>
+        </p:nvPicPr>
+        <p:blipFill>
+          <a:blip r:embed="rId4">
+            <a:extLst>
+              <a:ext uri="{28A0092B-C50C-407E-A947-70E740481C1C}">
+                <a14:useLocalDpi xmlns:a14="http://schemas.microsoft.com/office/drawing/2010/main" val="0"/>
+              </a:ext>
+            </a:extLst>
+          </a:blip>
+          <a:stretch>
+            <a:fillRect/>
+          </a:stretch>
+        </p:blipFill>
+        <p:spPr>
+          <a:xfrm>
+            <a:off x="2679700" y="3594559"/>
+            <a:ext cx="4057650" cy="2933241"/>
+          </a:xfrm>
+          <a:prstGeom prst="rect">
+            <a:avLst/>
+          </a:prstGeom>
+        </p:spPr>
+      </p:pic>
+      <p:pic>
+        <p:nvPicPr>
+          <p:cNvPr id="7" name="Kép 6"/>
+          <p:cNvPicPr>
+            <a:picLocks noChangeAspect="1"/>
+          </p:cNvPicPr>
+          <p:nvPr/>
+        </p:nvPicPr>
+        <p:blipFill>
+          <a:blip r:embed="rId5">
+            <a:extLst>
+              <a:ext uri="{28A0092B-C50C-407E-A947-70E740481C1C}">
+                <a14:useLocalDpi xmlns:a14="http://schemas.microsoft.com/office/drawing/2010/main" val="0"/>
+              </a:ext>
+            </a:extLst>
+          </a:blip>
+          <a:stretch>
+            <a:fillRect/>
+          </a:stretch>
+        </p:blipFill>
+        <p:spPr>
+          <a:xfrm>
+            <a:off x="7670800" y="1667491"/>
+            <a:ext cx="3873500" cy="3287095"/>
+          </a:xfrm>
+          <a:prstGeom prst="rect">
+            <a:avLst/>
+          </a:prstGeom>
+        </p:spPr>
+      </p:pic>
     </p:spTree>
     <p:extLst>
       <p:ext uri="{BB962C8B-B14F-4D97-AF65-F5344CB8AC3E}">
@@ -6277,6 +6662,13 @@
       </p:transition>
     </mc:Fallback>
   </mc:AlternateContent>
+  <p:timing>
+    <p:tnLst>
+      <p:par>
+        <p:cTn id="1" dur="indefinite" restart="never" nodeType="tmRoot"/>
+      </p:par>
+    </p:tnLst>
+  </p:timing>
 </p:sld>
 </file>
 
@@ -6297,44 +6689,95 @@
           <a:chExt cx="0" cy="0"/>
         </a:xfrm>
       </p:grpSpPr>
-      <p:sp>
-        <p:nvSpPr>
-          <p:cNvPr id="2" name="Cím 1"/>
-          <p:cNvSpPr>
-            <a:spLocks noGrp="1"/>
-          </p:cNvSpPr>
-          <p:nvPr>
-            <p:ph type="title"/>
-          </p:nvPr>
-        </p:nvSpPr>
-        <p:spPr/>
-        <p:txBody>
-          <a:bodyPr/>
-          <a:lstStyle/>
-          <a:p>
-            <a:endParaRPr lang="hu-HU"/>
-          </a:p>
-        </p:txBody>
-      </p:sp>
-      <p:sp>
-        <p:nvSpPr>
-          <p:cNvPr id="3" name="Tartalom helye 2"/>
-          <p:cNvSpPr>
-            <a:spLocks noGrp="1"/>
-          </p:cNvSpPr>
+      <p:pic>
+        <p:nvPicPr>
+          <p:cNvPr id="4" name="Tartalom helye 3"/>
+          <p:cNvPicPr>
+            <a:picLocks noGrp="1" noChangeAspect="1"/>
+          </p:cNvPicPr>
           <p:nvPr>
             <p:ph idx="1"/>
           </p:nvPr>
-        </p:nvSpPr>
-        <p:spPr/>
-        <p:txBody>
-          <a:bodyPr/>
-          <a:lstStyle/>
-          <a:p>
-            <a:endParaRPr lang="hu-HU"/>
-          </a:p>
-        </p:txBody>
-      </p:sp>
+        </p:nvPicPr>
+        <p:blipFill>
+          <a:blip r:embed="rId2">
+            <a:extLst>
+              <a:ext uri="{28A0092B-C50C-407E-A947-70E740481C1C}">
+                <a14:useLocalDpi xmlns:a14="http://schemas.microsoft.com/office/drawing/2010/main" val="0"/>
+              </a:ext>
+            </a:extLst>
+          </a:blip>
+          <a:stretch>
+            <a:fillRect/>
+          </a:stretch>
+        </p:blipFill>
+        <p:spPr>
+          <a:xfrm>
+            <a:off x="3162300" y="3438135"/>
+            <a:ext cx="5177941" cy="3058031"/>
+          </a:xfrm>
+        </p:spPr>
+      </p:pic>
+      <p:pic>
+        <p:nvPicPr>
+          <p:cNvPr id="5" name="Kép 4"/>
+          <p:cNvPicPr>
+            <a:picLocks noChangeAspect="1"/>
+          </p:cNvPicPr>
+          <p:nvPr/>
+        </p:nvPicPr>
+        <p:blipFill>
+          <a:blip r:embed="rId3">
+            <a:extLst>
+              <a:ext uri="{28A0092B-C50C-407E-A947-70E740481C1C}">
+                <a14:useLocalDpi xmlns:a14="http://schemas.microsoft.com/office/drawing/2010/main" val="0"/>
+              </a:ext>
+            </a:extLst>
+          </a:blip>
+          <a:stretch>
+            <a:fillRect/>
+          </a:stretch>
+        </p:blipFill>
+        <p:spPr>
+          <a:xfrm>
+            <a:off x="9182100" y="701146"/>
+            <a:ext cx="2538663" cy="5278967"/>
+          </a:xfrm>
+          <a:prstGeom prst="rect">
+            <a:avLst/>
+          </a:prstGeom>
+        </p:spPr>
+      </p:pic>
+      <p:pic>
+        <p:nvPicPr>
+          <p:cNvPr id="7" name="Kép 6"/>
+          <p:cNvPicPr>
+            <a:picLocks noChangeAspect="1"/>
+          </p:cNvPicPr>
+          <p:nvPr/>
+        </p:nvPicPr>
+        <p:blipFill>
+          <a:blip r:embed="rId4">
+            <a:extLst>
+              <a:ext uri="{28A0092B-C50C-407E-A947-70E740481C1C}">
+                <a14:useLocalDpi xmlns:a14="http://schemas.microsoft.com/office/drawing/2010/main" val="0"/>
+              </a:ext>
+            </a:extLst>
+          </a:blip>
+          <a:stretch>
+            <a:fillRect/>
+          </a:stretch>
+        </p:blipFill>
+        <p:spPr>
+          <a:xfrm>
+            <a:off x="643488" y="266701"/>
+            <a:ext cx="6265312" cy="2806700"/>
+          </a:xfrm>
+          <a:prstGeom prst="rect">
+            <a:avLst/>
+          </a:prstGeom>
+        </p:spPr>
+      </p:pic>
     </p:spTree>
     <p:extLst>
       <p:ext uri="{BB962C8B-B14F-4D97-AF65-F5344CB8AC3E}">
@@ -6357,6 +6800,13 @@
       </p:transition>
     </mc:Fallback>
   </mc:AlternateContent>
+  <p:timing>
+    <p:tnLst>
+      <p:par>
+        <p:cTn id="1" dur="indefinite" restart="never" nodeType="tmRoot"/>
+      </p:par>
+    </p:tnLst>
+  </p:timing>
 </p:sld>
 </file>
 
@@ -6389,7 +6839,7 @@
         </p:nvSpPr>
         <p:spPr>
           <a:xfrm>
-            <a:off x="571500" y="2755900"/>
+            <a:off x="571500" y="736600"/>
             <a:ext cx="10972800" cy="901700"/>
           </a:xfrm>
         </p:spPr>
@@ -6405,6 +6855,60 @@
           </a:p>
         </p:txBody>
       </p:sp>
+      <p:pic>
+        <p:nvPicPr>
+          <p:cNvPr id="6" name="Kép 5"/>
+          <p:cNvPicPr>
+            <a:picLocks noChangeAspect="1"/>
+          </p:cNvPicPr>
+          <p:nvPr/>
+        </p:nvPicPr>
+        <p:blipFill>
+          <a:blip r:embed="rId2">
+            <a:extLst>
+              <a:ext uri="{28A0092B-C50C-407E-A947-70E740481C1C}">
+                <a14:useLocalDpi xmlns:a14="http://schemas.microsoft.com/office/drawing/2010/main" val="0"/>
+              </a:ext>
+            </a:extLst>
+          </a:blip>
+          <a:stretch>
+            <a:fillRect/>
+          </a:stretch>
+        </p:blipFill>
+        <p:spPr>
+          <a:xfrm>
+            <a:off x="4013200" y="2079270"/>
+            <a:ext cx="3708776" cy="3371278"/>
+          </a:xfrm>
+          <a:prstGeom prst="ellipse">
+            <a:avLst/>
+          </a:prstGeom>
+          <a:ln w="63500" cap="rnd">
+            <a:solidFill>
+              <a:srgbClr val="333333"/>
+            </a:solidFill>
+          </a:ln>
+          <a:effectLst>
+            <a:outerShdw blurRad="381000" dist="292100" dir="5400000" sx="-80000" sy="-18000" rotWithShape="0">
+              <a:srgbClr val="000000">
+                <a:alpha val="22000"/>
+              </a:srgbClr>
+            </a:outerShdw>
+          </a:effectLst>
+          <a:scene3d>
+            <a:camera prst="orthographicFront"/>
+            <a:lightRig rig="contrasting" dir="t">
+              <a:rot lat="0" lon="0" rev="3000000"/>
+            </a:lightRig>
+          </a:scene3d>
+          <a:sp3d contourW="7620">
+            <a:bevelT w="95250" h="31750"/>
+            <a:contourClr>
+              <a:srgbClr val="333333"/>
+            </a:contourClr>
+          </a:sp3d>
+        </p:spPr>
+      </p:pic>
     </p:spTree>
     <p:extLst>
       <p:ext uri="{BB962C8B-B14F-4D97-AF65-F5344CB8AC3E}">
@@ -6427,6 +6931,172 @@
       </p:transition>
     </mc:Fallback>
   </mc:AlternateContent>
+  <p:timing>
+    <p:tnLst>
+      <p:par>
+        <p:cTn id="1" dur="indefinite" restart="never" nodeType="tmRoot"/>
+      </p:par>
+    </p:tnLst>
+  </p:timing>
+</p:sld>
+</file>
+
+<file path=ppt/slides/slide8.xml><?xml version="1.0" encoding="utf-8"?>
+<p:sld xmlns:a="http://schemas.openxmlformats.org/drawingml/2006/main" xmlns:r="http://schemas.openxmlformats.org/officeDocument/2006/relationships" xmlns:p="http://schemas.openxmlformats.org/presentationml/2006/main">
+  <p:cSld>
+    <p:spTree>
+      <p:nvGrpSpPr>
+        <p:cNvPr id="1" name=""/>
+        <p:cNvGrpSpPr/>
+        <p:nvPr/>
+      </p:nvGrpSpPr>
+      <p:grpSpPr>
+        <a:xfrm>
+          <a:off x="0" y="0"/>
+          <a:ext cx="0" cy="0"/>
+          <a:chOff x="0" y="0"/>
+          <a:chExt cx="0" cy="0"/>
+        </a:xfrm>
+      </p:grpSpPr>
+      <p:sp>
+        <p:nvSpPr>
+          <p:cNvPr id="2" name="Cím 1"/>
+          <p:cNvSpPr>
+            <a:spLocks noGrp="1"/>
+          </p:cNvSpPr>
+          <p:nvPr>
+            <p:ph type="title"/>
+          </p:nvPr>
+        </p:nvSpPr>
+        <p:spPr>
+          <a:xfrm>
+            <a:off x="0" y="-12700"/>
+            <a:ext cx="3619500" cy="749300"/>
+          </a:xfrm>
+        </p:spPr>
+        <p:txBody>
+          <a:bodyPr/>
+          <a:lstStyle/>
+          <a:p>
+            <a:r>
+              <a:rPr lang="hu-HU" dirty="0" smtClean="0"/>
+              <a:t>Források</a:t>
+            </a:r>
+            <a:endParaRPr lang="hu-HU" dirty="0"/>
+          </a:p>
+        </p:txBody>
+      </p:sp>
+      <p:sp>
+        <p:nvSpPr>
+          <p:cNvPr id="3" name="Tartalom helye 2"/>
+          <p:cNvSpPr>
+            <a:spLocks noGrp="1"/>
+          </p:cNvSpPr>
+          <p:nvPr>
+            <p:ph idx="1"/>
+          </p:nvPr>
+        </p:nvSpPr>
+        <p:spPr/>
+        <p:txBody>
+          <a:bodyPr/>
+          <a:lstStyle/>
+          <a:p>
+            <a:r>
+              <a:rPr lang="hu-HU" dirty="0">
+                <a:hlinkClick r:id="rId2"/>
+              </a:rPr>
+              <a:t>https://nordvpn.com/download</a:t>
+            </a:r>
+            <a:r>
+              <a:rPr lang="hu-HU" dirty="0" smtClean="0">
+                <a:hlinkClick r:id="rId2"/>
+              </a:rPr>
+              <a:t>/</a:t>
+            </a:r>
+            <a:endParaRPr lang="hu-HU" dirty="0" smtClean="0"/>
+          </a:p>
+          <a:p>
+            <a:r>
+              <a:rPr lang="hu-HU" dirty="0">
+                <a:hlinkClick r:id="rId3"/>
+              </a:rPr>
+              <a:t>https://www.expressvpn.com</a:t>
+            </a:r>
+            <a:r>
+              <a:rPr lang="hu-HU" dirty="0" smtClean="0">
+                <a:hlinkClick r:id="rId3"/>
+              </a:rPr>
+              <a:t>/</a:t>
+            </a:r>
+            <a:endParaRPr lang="hu-HU" dirty="0" smtClean="0"/>
+          </a:p>
+          <a:p>
+            <a:r>
+              <a:rPr lang="hu-HU" dirty="0">
+                <a:hlinkClick r:id="rId4"/>
+              </a:rPr>
+              <a:t>https://www.tunnelbear.com</a:t>
+            </a:r>
+            <a:r>
+              <a:rPr lang="hu-HU" dirty="0" smtClean="0">
+                <a:hlinkClick r:id="rId4"/>
+              </a:rPr>
+              <a:t>/</a:t>
+            </a:r>
+            <a:endParaRPr lang="hu-HU" dirty="0" smtClean="0"/>
+          </a:p>
+          <a:p>
+            <a:r>
+              <a:rPr lang="hu-HU" dirty="0">
+                <a:hlinkClick r:id="rId5"/>
+              </a:rPr>
+              <a:t>https://www.cyberghostvpn.com/hu</a:t>
+            </a:r>
+            <a:r>
+              <a:rPr lang="hu-HU" dirty="0" smtClean="0">
+                <a:hlinkClick r:id="rId5"/>
+              </a:rPr>
+              <a:t>/</a:t>
+            </a:r>
+            <a:endParaRPr lang="hu-HU" dirty="0" smtClean="0"/>
+          </a:p>
+          <a:p>
+            <a:endParaRPr lang="hu-HU" dirty="0" smtClean="0"/>
+          </a:p>
+          <a:p>
+            <a:endParaRPr lang="hu-HU" dirty="0" smtClean="0"/>
+          </a:p>
+        </p:txBody>
+      </p:sp>
+    </p:spTree>
+    <p:extLst>
+      <p:ext uri="{BB962C8B-B14F-4D97-AF65-F5344CB8AC3E}">
+        <p14:creationId xmlns:p14="http://schemas.microsoft.com/office/powerpoint/2010/main" val="691979260"/>
+      </p:ext>
+    </p:extLst>
+  </p:cSld>
+  <p:clrMapOvr>
+    <a:masterClrMapping/>
+  </p:clrMapOvr>
+  <mc:AlternateContent xmlns:mc="http://schemas.openxmlformats.org/markup-compatibility/2006" xmlns:p14="http://schemas.microsoft.com/office/powerpoint/2010/main">
+    <mc:Choice Requires="p14">
+      <p:transition spd="med" p14:dur="700">
+        <p:fade/>
+      </p:transition>
+    </mc:Choice>
+    <mc:Fallback xmlns="">
+      <p:transition spd="med">
+        <p:fade/>
+      </p:transition>
+    </mc:Fallback>
+  </mc:AlternateContent>
+  <p:timing>
+    <p:tnLst>
+      <p:par>
+        <p:cTn id="1" dur="indefinite" restart="never" nodeType="tmRoot"/>
+      </p:par>
+    </p:tnLst>
+  </p:timing>
 </p:sld>
 </file>
 

--- a/VPN-hálózatok.pptx
+++ b/VPN-hálózatok.pptx
@@ -7058,6 +7058,30 @@
               </a:rPr>
               <a:t>/</a:t>
             </a:r>
+            <a:endParaRPr lang="hu-HU" dirty="0" smtClean="0"/>
+          </a:p>
+          <a:p>
+            <a:r>
+              <a:rPr lang="hu-HU">
+                <a:hlinkClick r:id="rId6"/>
+              </a:rPr>
+              <a:t>https</a:t>
+            </a:r>
+            <a:r>
+              <a:rPr lang="hu-HU">
+                <a:hlinkClick r:id="rId6"/>
+              </a:rPr>
+              <a:t>://</a:t>
+            </a:r>
+            <a:r>
+              <a:rPr lang="hu-HU" smtClean="0">
+                <a:hlinkClick r:id="rId6"/>
+              </a:rPr>
+              <a:t>surfshark.com/download</a:t>
+            </a:r>
+            <a:endParaRPr lang="hu-HU" smtClean="0"/>
+          </a:p>
+          <a:p>
             <a:endParaRPr lang="hu-HU" dirty="0" smtClean="0"/>
           </a:p>
           <a:p>

--- a/VPN-hálózatok.pptx
+++ b/VPN-hálózatok.pptx
@@ -7062,24 +7062,18 @@
           </a:p>
           <a:p>
             <a:r>
-              <a:rPr lang="hu-HU">
+              <a:rPr lang="hu-HU" dirty="0">
                 <a:hlinkClick r:id="rId6"/>
               </a:rPr>
-              <a:t>https</a:t>
-            </a:r>
-            <a:r>
-              <a:rPr lang="hu-HU">
-                <a:hlinkClick r:id="rId6"/>
-              </a:rPr>
-              <a:t>://</a:t>
-            </a:r>
-            <a:r>
-              <a:rPr lang="hu-HU" smtClean="0">
+              <a:t>https://</a:t>
+            </a:r>
+            <a:r>
+              <a:rPr lang="hu-HU" dirty="0" smtClean="0">
                 <a:hlinkClick r:id="rId6"/>
               </a:rPr>
               <a:t>surfshark.com/download</a:t>
             </a:r>
-            <a:endParaRPr lang="hu-HU" smtClean="0"/>
+            <a:endParaRPr lang="hu-HU" dirty="0" smtClean="0"/>
           </a:p>
           <a:p>
             <a:endParaRPr lang="hu-HU" dirty="0" smtClean="0"/>
